--- a/Tvorcheskiy_Preza (2).pptx
+++ b/Tvorcheskiy_Preza (2).pptx
@@ -215,7 +215,7 @@
           <a:p>
             <a:fld id="{E2449973-B2ED-47F8-8A78-D28DB888792A}" type="datetimeFigureOut">
               <a:rPr lang="ru-RU" smtClean="0"/>
-              <a:t>21.06.2023</a:t>
+              <a:t>22.06.2023</a:t>
             </a:fld>
             <a:endParaRPr lang="ru-RU"/>
           </a:p>
@@ -380,7 +380,7 @@
           <a:p>
             <a:fld id="{B8DDC125-F1CB-421D-BF0C-479EBC807B8B}" type="datetimeFigureOut">
               <a:rPr lang="ru-RU" smtClean="0"/>
-              <a:t>21.06.2023</a:t>
+              <a:t>22.06.2023</a:t>
             </a:fld>
             <a:endParaRPr lang="ru-RU"/>
           </a:p>
@@ -6851,6 +6851,131 @@
           </a:p>
         </p:txBody>
       </p:sp>
+      <p:pic>
+        <p:nvPicPr>
+          <p:cNvPr id="2" name="Рисунок 1">
+            <a:extLst>
+              <a:ext uri="{FF2B5EF4-FFF2-40B4-BE49-F238E27FC236}">
+                <a16:creationId xmlns:a16="http://schemas.microsoft.com/office/drawing/2014/main" id="{3C197333-88EA-FFD2-1C3C-14294E6AC15C}"/>
+              </a:ext>
+            </a:extLst>
+          </p:cNvPr>
+          <p:cNvPicPr>
+            <a:picLocks noChangeAspect="1"/>
+          </p:cNvPicPr>
+          <p:nvPr/>
+        </p:nvPicPr>
+        <p:blipFill rotWithShape="1">
+          <a:blip r:embed="rId2"/>
+          <a:srcRect b="19162"/>
+          <a:stretch/>
+        </p:blipFill>
+        <p:spPr bwMode="auto">
+          <a:xfrm>
+            <a:off x="118713" y="2025803"/>
+            <a:ext cx="5629275" cy="2386330"/>
+          </a:xfrm>
+          <a:prstGeom prst="rect">
+            <a:avLst/>
+          </a:prstGeom>
+          <a:ln>
+            <a:noFill/>
+          </a:ln>
+          <a:effectLst>
+            <a:outerShdw blurRad="50800" dist="38100" dir="2700000" algn="tl" rotWithShape="0">
+              <a:prstClr val="black">
+                <a:alpha val="40000"/>
+              </a:prstClr>
+            </a:outerShdw>
+          </a:effectLst>
+          <a:extLst>
+            <a:ext uri="{53640926-AAD7-44D8-BBD7-CCE9431645EC}">
+              <a14:shadowObscured xmlns:a14="http://schemas.microsoft.com/office/drawing/2010/main"/>
+            </a:ext>
+          </a:extLst>
+        </p:spPr>
+      </p:pic>
+      <p:pic>
+        <p:nvPicPr>
+          <p:cNvPr id="3" name="Рисунок 2">
+            <a:extLst>
+              <a:ext uri="{FF2B5EF4-FFF2-40B4-BE49-F238E27FC236}">
+                <a16:creationId xmlns:a16="http://schemas.microsoft.com/office/drawing/2014/main" id="{68F7E4E4-AF78-9BFA-C211-07C3ACF2A69A}"/>
+              </a:ext>
+            </a:extLst>
+          </p:cNvPr>
+          <p:cNvPicPr>
+            <a:picLocks noChangeAspect="1"/>
+          </p:cNvPicPr>
+          <p:nvPr/>
+        </p:nvPicPr>
+        <p:blipFill>
+          <a:blip r:embed="rId3"/>
+          <a:stretch>
+            <a:fillRect/>
+          </a:stretch>
+        </p:blipFill>
+        <p:spPr>
+          <a:xfrm>
+            <a:off x="5882469" y="1660462"/>
+            <a:ext cx="5941060" cy="2933065"/>
+          </a:xfrm>
+          <a:prstGeom prst="rect">
+            <a:avLst/>
+          </a:prstGeom>
+          <a:effectLst>
+            <a:outerShdw blurRad="50800" dist="38100" dir="2700000" algn="tl" rotWithShape="0">
+              <a:prstClr val="black">
+                <a:alpha val="40000"/>
+              </a:prstClr>
+            </a:outerShdw>
+          </a:effectLst>
+        </p:spPr>
+      </p:pic>
+      <p:pic>
+        <p:nvPicPr>
+          <p:cNvPr id="5" name="Рисунок 4">
+            <a:extLst>
+              <a:ext uri="{FF2B5EF4-FFF2-40B4-BE49-F238E27FC236}">
+                <a16:creationId xmlns:a16="http://schemas.microsoft.com/office/drawing/2014/main" id="{50D09EE3-5FC3-2452-876F-41D199A1588E}"/>
+              </a:ext>
+            </a:extLst>
+          </p:cNvPr>
+          <p:cNvPicPr>
+            <a:picLocks noChangeAspect="1"/>
+          </p:cNvPicPr>
+          <p:nvPr/>
+        </p:nvPicPr>
+        <p:blipFill rotWithShape="1">
+          <a:blip r:embed="rId4"/>
+          <a:srcRect r="14249" b="44840"/>
+          <a:stretch/>
+        </p:blipFill>
+        <p:spPr bwMode="auto">
+          <a:xfrm>
+            <a:off x="2787161" y="5197538"/>
+            <a:ext cx="6190615" cy="937895"/>
+          </a:xfrm>
+          <a:prstGeom prst="rect">
+            <a:avLst/>
+          </a:prstGeom>
+          <a:ln>
+            <a:noFill/>
+          </a:ln>
+          <a:effectLst>
+            <a:outerShdw blurRad="50800" dist="38100" dir="2700000" algn="tl" rotWithShape="0">
+              <a:prstClr val="black">
+                <a:alpha val="40000"/>
+              </a:prstClr>
+            </a:outerShdw>
+          </a:effectLst>
+          <a:extLst>
+            <a:ext uri="{53640926-AAD7-44D8-BBD7-CCE9431645EC}">
+              <a14:shadowObscured xmlns:a14="http://schemas.microsoft.com/office/drawing/2010/main"/>
+            </a:ext>
+          </a:extLst>
+        </p:spPr>
+      </p:pic>
     </p:spTree>
     <p:extLst>
       <p:ext uri="{BB962C8B-B14F-4D97-AF65-F5344CB8AC3E}">
